--- a/docs/diagrams/WhiteBlackDiagrams/StorageComponentClassDiagram.pptx
+++ b/docs/diagrams/WhiteBlackDiagrams/StorageComponentClassDiagram.pptx
@@ -3456,10 +3456,10 @@
         </p:nvGrpSpPr>
         <p:grpSpPr>
           <a:xfrm>
-            <a:off x="32657" y="2209800"/>
+            <a:off x="32657" y="2209801"/>
             <a:ext cx="8958943" cy="2133600"/>
-            <a:chOff x="910091" y="2086382"/>
-            <a:chExt cx="8081509" cy="1723618"/>
+            <a:chOff x="910093" y="2086293"/>
+            <a:chExt cx="8081515" cy="1723544"/>
           </a:xfrm>
         </p:grpSpPr>
         <p:sp>
@@ -3470,8 +3470,8 @@
           </p:nvSpPr>
           <p:spPr>
             <a:xfrm>
-              <a:off x="1119865" y="2086382"/>
-              <a:ext cx="7871735" cy="1723618"/>
+              <a:off x="1119867" y="2086293"/>
+              <a:ext cx="7871741" cy="1723544"/>
             </a:xfrm>
             <a:prstGeom prst="roundRect">
               <a:avLst>
@@ -3528,8 +3528,8 @@
           </p:nvSpPr>
           <p:spPr>
             <a:xfrm>
-              <a:off x="2877180" y="3158440"/>
-              <a:ext cx="1323049" cy="346760"/>
+              <a:off x="2877184" y="3158304"/>
+              <a:ext cx="1323050" cy="346745"/>
             </a:xfrm>
             <a:prstGeom prst="rect">
               <a:avLst/>
@@ -3600,8 +3600,8 @@
           </p:nvSpPr>
           <p:spPr>
             <a:xfrm rot="16200000">
-              <a:off x="1683963" y="2868687"/>
-              <a:ext cx="1093635" cy="346760"/>
+              <a:off x="1683990" y="2868556"/>
+              <a:ext cx="1093588" cy="346760"/>
             </a:xfrm>
             <a:prstGeom prst="rect">
               <a:avLst/>
@@ -3657,8 +3657,8 @@
           </p:nvSpPr>
           <p:spPr>
             <a:xfrm rot="16200000">
-              <a:off x="956202" y="2861202"/>
-              <a:ext cx="1093635" cy="346760"/>
+              <a:off x="956228" y="2861071"/>
+              <a:ext cx="1093588" cy="346760"/>
             </a:xfrm>
             <a:prstGeom prst="rect">
               <a:avLst/>
@@ -3725,8 +3725,8 @@
           </p:nvSpPr>
           <p:spPr>
             <a:xfrm rot="16200000">
-              <a:off x="1626910" y="2952291"/>
-              <a:ext cx="270504" cy="175523"/>
+              <a:off x="1626919" y="2952160"/>
+              <a:ext cx="270492" cy="175523"/>
             </a:xfrm>
             <a:prstGeom prst="triangle">
               <a:avLst/>
@@ -3777,7 +3777,7 @@
           </p:nvCxnSpPr>
           <p:spPr>
             <a:xfrm>
-              <a:off x="2656370" y="3326536"/>
+              <a:off x="2656373" y="3326393"/>
               <a:ext cx="220810" cy="5284"/>
             </a:xfrm>
             <a:prstGeom prst="straightConnector1">
@@ -3810,13 +3810,15 @@
         <p:cxnSp>
           <p:nvCxnSpPr>
             <p:cNvPr id="75" name="Elbow Connector 122"/>
-            <p:cNvCxnSpPr/>
+            <p:cNvCxnSpPr>
+              <a:cxnSpLocks/>
+            </p:cNvCxnSpPr>
             <p:nvPr/>
           </p:nvCxnSpPr>
           <p:spPr>
             <a:xfrm>
-              <a:off x="910091" y="3040053"/>
-              <a:ext cx="419548" cy="2860"/>
+              <a:off x="910093" y="3039921"/>
+              <a:ext cx="419549" cy="2860"/>
             </a:xfrm>
             <a:prstGeom prst="bentConnector3">
               <a:avLst>
@@ -3858,7 +3860,7 @@
           </p:nvCxnSpPr>
           <p:spPr>
             <a:xfrm flipV="1">
-              <a:off x="1849924" y="3040052"/>
+              <a:off x="1849927" y="3039921"/>
               <a:ext cx="216105" cy="1"/>
             </a:xfrm>
             <a:prstGeom prst="line">
@@ -3897,8 +3899,8 @@
           </p:nvSpPr>
           <p:spPr>
             <a:xfrm>
-              <a:off x="2420322" y="3239846"/>
-              <a:ext cx="236048" cy="173380"/>
+              <a:off x="2420324" y="3239706"/>
+              <a:ext cx="236048" cy="173372"/>
             </a:xfrm>
             <a:prstGeom prst="flowChartDecision">
               <a:avLst/>
@@ -3949,7 +3951,7 @@
           </p:nvCxnSpPr>
           <p:spPr>
             <a:xfrm flipV="1">
-              <a:off x="4398041" y="3331820"/>
+              <a:off x="4398045" y="3331676"/>
               <a:ext cx="223324" cy="1"/>
             </a:xfrm>
             <a:prstGeom prst="bentConnector3">
@@ -3990,8 +3992,8 @@
           </p:nvSpPr>
           <p:spPr>
             <a:xfrm rot="5400000" flipV="1">
-              <a:off x="4175027" y="3244059"/>
-              <a:ext cx="270504" cy="175523"/>
+              <a:off x="4175038" y="3243915"/>
+              <a:ext cx="270492" cy="175523"/>
             </a:xfrm>
             <a:prstGeom prst="triangle">
               <a:avLst/>
@@ -4042,7 +4044,7 @@
           </p:nvCxnSpPr>
           <p:spPr>
             <a:xfrm>
-              <a:off x="5791200" y="3331820"/>
+              <a:off x="5791206" y="3331676"/>
               <a:ext cx="228600" cy="1970"/>
             </a:xfrm>
             <a:prstGeom prst="bentConnector3">
@@ -4083,8 +4085,8 @@
           </p:nvSpPr>
           <p:spPr>
             <a:xfrm>
-              <a:off x="4621365" y="3158440"/>
-              <a:ext cx="1169835" cy="346760"/>
+              <a:off x="4621369" y="3158304"/>
+              <a:ext cx="1169836" cy="346745"/>
             </a:xfrm>
             <a:prstGeom prst="rect">
               <a:avLst/>
@@ -4122,7 +4124,7 @@
                     <a:schemeClr val="tx1"/>
                   </a:solidFill>
                 </a:rPr>
-                <a:t>XmlAddressBook</a:t>
+                <a:t>XmlCardBank</a:t>
               </a:r>
               <a:br>
                 <a:rPr lang="en-US" sz="1200" b="1" dirty="0">
@@ -4155,8 +4157,8 @@
           </p:nvSpPr>
           <p:spPr>
             <a:xfrm>
-              <a:off x="2873943" y="2558040"/>
-              <a:ext cx="1323049" cy="346760"/>
+              <a:off x="2873946" y="2557929"/>
+              <a:ext cx="1323050" cy="346745"/>
             </a:xfrm>
             <a:prstGeom prst="rect">
               <a:avLst/>
@@ -4230,7 +4232,7 @@
           </p:nvCxnSpPr>
           <p:spPr>
             <a:xfrm>
-              <a:off x="2653133" y="2726136"/>
+              <a:off x="2653136" y="2726018"/>
               <a:ext cx="220810" cy="5284"/>
             </a:xfrm>
             <a:prstGeom prst="straightConnector1">
@@ -4268,8 +4270,8 @@
           </p:nvSpPr>
           <p:spPr>
             <a:xfrm>
-              <a:off x="2417085" y="2639446"/>
-              <a:ext cx="236048" cy="173380"/>
+              <a:off x="2417087" y="2639332"/>
+              <a:ext cx="236048" cy="173372"/>
             </a:xfrm>
             <a:prstGeom prst="flowChartDecision">
               <a:avLst/>
@@ -4320,7 +4322,7 @@
           </p:nvCxnSpPr>
           <p:spPr>
             <a:xfrm flipV="1">
-              <a:off x="4394804" y="2731420"/>
+              <a:off x="4394808" y="2731302"/>
               <a:ext cx="223324" cy="1"/>
             </a:xfrm>
             <a:prstGeom prst="bentConnector3">
@@ -4361,8 +4363,8 @@
           </p:nvSpPr>
           <p:spPr>
             <a:xfrm rot="5400000" flipV="1">
-              <a:off x="4171790" y="2643659"/>
-              <a:ext cx="270504" cy="175523"/>
+              <a:off x="4171799" y="2643541"/>
+              <a:ext cx="270492" cy="175523"/>
             </a:xfrm>
             <a:prstGeom prst="triangle">
               <a:avLst/>
@@ -4410,8 +4412,8 @@
           </p:nvSpPr>
           <p:spPr>
             <a:xfrm>
-              <a:off x="4618128" y="2558040"/>
-              <a:ext cx="1093635" cy="346760"/>
+              <a:off x="4618132" y="2557929"/>
+              <a:ext cx="1093636" cy="346745"/>
             </a:xfrm>
             <a:prstGeom prst="rect">
               <a:avLst/>
@@ -4482,8 +4484,8 @@
           </p:nvSpPr>
           <p:spPr>
             <a:xfrm>
-              <a:off x="6019800" y="3160410"/>
-              <a:ext cx="1200707" cy="346760"/>
+              <a:off x="6019806" y="3160274"/>
+              <a:ext cx="1200708" cy="346745"/>
             </a:xfrm>
             <a:prstGeom prst="rect">
               <a:avLst/>
@@ -4557,8 +4559,8 @@
           </p:nvCxnSpPr>
           <p:spPr>
             <a:xfrm rot="5400000" flipH="1" flipV="1">
-              <a:off x="8077993" y="2992020"/>
-              <a:ext cx="335208" cy="12700"/>
+              <a:off x="8078009" y="2991890"/>
+              <a:ext cx="335194" cy="12700"/>
             </a:xfrm>
             <a:prstGeom prst="bentConnector3">
               <a:avLst>
@@ -4598,8 +4600,8 @@
           </p:nvSpPr>
           <p:spPr>
             <a:xfrm>
-              <a:off x="7615738" y="2477656"/>
-              <a:ext cx="1259718" cy="346760"/>
+              <a:off x="7615745" y="2477549"/>
+              <a:ext cx="1259719" cy="346745"/>
             </a:xfrm>
             <a:prstGeom prst="rect">
               <a:avLst/>
@@ -4655,8 +4657,8 @@
           </p:nvSpPr>
           <p:spPr>
             <a:xfrm>
-              <a:off x="7615738" y="3159624"/>
-              <a:ext cx="1259718" cy="346760"/>
+              <a:off x="7615745" y="3159491"/>
+              <a:ext cx="1259719" cy="346746"/>
             </a:xfrm>
             <a:prstGeom prst="rect">
               <a:avLst/>
